--- a/figure/noc_routes.pptx
+++ b/figure/noc_routes.pptx
@@ -1012,7 +1012,7 @@
           <a:p>
             <a:fld id="{E90ED720-0104-4369-84BC-D37694168613}" type="datetimeFigureOut">
               <a:rPr kumimoji="1" lang="ja-JP" altLang="en-US" smtClean="0"/>
-              <a:t>2017/3/5</a:t>
+              <a:t>2017/4/8</a:t>
             </a:fld>
             <a:endParaRPr kumimoji="1" lang="ja-JP" altLang="en-US"/>
           </a:p>
@@ -1214,7 +1214,7 @@
           <a:p>
             <a:fld id="{E90ED720-0104-4369-84BC-D37694168613}" type="datetimeFigureOut">
               <a:rPr kumimoji="1" lang="ja-JP" altLang="en-US" smtClean="0"/>
-              <a:t>2017/3/5</a:t>
+              <a:t>2017/4/8</a:t>
             </a:fld>
             <a:endParaRPr kumimoji="1" lang="ja-JP" altLang="en-US"/>
           </a:p>
@@ -1426,7 +1426,7 @@
           <a:p>
             <a:fld id="{E90ED720-0104-4369-84BC-D37694168613}" type="datetimeFigureOut">
               <a:rPr kumimoji="1" lang="ja-JP" altLang="en-US" smtClean="0"/>
-              <a:t>2017/3/5</a:t>
+              <a:t>2017/4/8</a:t>
             </a:fld>
             <a:endParaRPr kumimoji="1" lang="ja-JP" altLang="en-US"/>
           </a:p>
@@ -1628,7 +1628,7 @@
           <a:p>
             <a:fld id="{E90ED720-0104-4369-84BC-D37694168613}" type="datetimeFigureOut">
               <a:rPr kumimoji="1" lang="ja-JP" altLang="en-US" smtClean="0"/>
-              <a:t>2017/3/5</a:t>
+              <a:t>2017/4/8</a:t>
             </a:fld>
             <a:endParaRPr kumimoji="1" lang="ja-JP" altLang="en-US"/>
           </a:p>
@@ -1874,7 +1874,7 @@
           <a:p>
             <a:fld id="{E90ED720-0104-4369-84BC-D37694168613}" type="datetimeFigureOut">
               <a:rPr kumimoji="1" lang="ja-JP" altLang="en-US" smtClean="0"/>
-              <a:t>2017/3/5</a:t>
+              <a:t>2017/4/8</a:t>
             </a:fld>
             <a:endParaRPr kumimoji="1" lang="ja-JP" altLang="en-US"/>
           </a:p>
@@ -2226,7 +2226,7 @@
           <a:p>
             <a:fld id="{E90ED720-0104-4369-84BC-D37694168613}" type="datetimeFigureOut">
               <a:rPr kumimoji="1" lang="ja-JP" altLang="en-US" smtClean="0"/>
-              <a:t>2017/3/5</a:t>
+              <a:t>2017/4/8</a:t>
             </a:fld>
             <a:endParaRPr kumimoji="1" lang="ja-JP" altLang="en-US"/>
           </a:p>
@@ -2712,7 +2712,7 @@
           <a:p>
             <a:fld id="{E90ED720-0104-4369-84BC-D37694168613}" type="datetimeFigureOut">
               <a:rPr kumimoji="1" lang="ja-JP" altLang="en-US" smtClean="0"/>
-              <a:t>2017/3/5</a:t>
+              <a:t>2017/4/8</a:t>
             </a:fld>
             <a:endParaRPr kumimoji="1" lang="ja-JP" altLang="en-US"/>
           </a:p>
@@ -2830,7 +2830,7 @@
           <a:p>
             <a:fld id="{E90ED720-0104-4369-84BC-D37694168613}" type="datetimeFigureOut">
               <a:rPr kumimoji="1" lang="ja-JP" altLang="en-US" smtClean="0"/>
-              <a:t>2017/3/5</a:t>
+              <a:t>2017/4/8</a:t>
             </a:fld>
             <a:endParaRPr kumimoji="1" lang="ja-JP" altLang="en-US"/>
           </a:p>
@@ -2925,7 +2925,7 @@
           <a:p>
             <a:fld id="{E90ED720-0104-4369-84BC-D37694168613}" type="datetimeFigureOut">
               <a:rPr kumimoji="1" lang="ja-JP" altLang="en-US" smtClean="0"/>
-              <a:t>2017/3/5</a:t>
+              <a:t>2017/4/8</a:t>
             </a:fld>
             <a:endParaRPr kumimoji="1" lang="ja-JP" altLang="en-US"/>
           </a:p>
@@ -3234,7 +3234,7 @@
           <a:p>
             <a:fld id="{E90ED720-0104-4369-84BC-D37694168613}" type="datetimeFigureOut">
               <a:rPr kumimoji="1" lang="ja-JP" altLang="en-US" smtClean="0"/>
-              <a:t>2017/3/5</a:t>
+              <a:t>2017/4/8</a:t>
             </a:fld>
             <a:endParaRPr kumimoji="1" lang="ja-JP" altLang="en-US"/>
           </a:p>
@@ -3487,7 +3487,7 @@
           <a:p>
             <a:fld id="{E90ED720-0104-4369-84BC-D37694168613}" type="datetimeFigureOut">
               <a:rPr kumimoji="1" lang="ja-JP" altLang="en-US" smtClean="0"/>
-              <a:t>2017/3/5</a:t>
+              <a:t>2017/4/8</a:t>
             </a:fld>
             <a:endParaRPr kumimoji="1" lang="ja-JP" altLang="en-US"/>
           </a:p>
@@ -3732,7 +3732,7 @@
           <a:p>
             <a:fld id="{E90ED720-0104-4369-84BC-D37694168613}" type="datetimeFigureOut">
               <a:rPr kumimoji="1" lang="ja-JP" altLang="en-US" smtClean="0"/>
-              <a:t>2017/3/5</a:t>
+              <a:t>2017/4/8</a:t>
             </a:fld>
             <a:endParaRPr kumimoji="1" lang="ja-JP" altLang="en-US"/>
           </a:p>
@@ -4116,7 +4116,7 @@
           <p:nvPr>
             <p:extLst>
               <p:ext uri="{D42A27DB-BD31-4B8C-83A1-F6EECF244321}">
-                <p14:modId xmlns:p14="http://schemas.microsoft.com/office/powerpoint/2010/main" val="3210013175"/>
+                <p14:modId xmlns:p14="http://schemas.microsoft.com/office/powerpoint/2010/main" val="2937177701"/>
               </p:ext>
             </p:extLst>
           </p:nvPr>
@@ -4464,7 +4464,7 @@
                           <a:latin typeface="Meiryo UI" panose="020B0604030504040204" pitchFamily="50" charset="-128"/>
                           <a:ea typeface="Meiryo UI" panose="020B0604030504040204" pitchFamily="50" charset="-128"/>
                         </a:rPr>
-                        <a:t>cross link IOS to CC</a:t>
+                        <a:t>cross-link IOS to CC</a:t>
                       </a:r>
                       <a:r>
                         <a:rPr kumimoji="1" lang="en-US" altLang="ja-JP" sz="1600" b="0" baseline="0" dirty="0" smtClean="0">
@@ -4546,6 +4546,16 @@
                     <a:p>
                       <a:pPr algn="ctr"/>
                       <a:r>
+                        <a:rPr kumimoji="1" lang="en-US" altLang="ja-JP" sz="1600" b="0" smtClean="0">
+                          <a:solidFill>
+                            <a:schemeClr val="tx1"/>
+                          </a:solidFill>
+                          <a:latin typeface="Meiryo UI" panose="020B0604030504040204" pitchFamily="50" charset="-128"/>
+                          <a:ea typeface="Meiryo UI" panose="020B0604030504040204" pitchFamily="50" charset="-128"/>
+                        </a:rPr>
+                        <a:t>cross-link </a:t>
+                      </a:r>
+                      <a:r>
                         <a:rPr kumimoji="1" lang="en-US" altLang="ja-JP" sz="1600" b="0" dirty="0" smtClean="0">
                           <a:solidFill>
                             <a:schemeClr val="tx1"/>
@@ -4553,7 +4563,7 @@
                           <a:latin typeface="Meiryo UI" panose="020B0604030504040204" pitchFamily="50" charset="-128"/>
                           <a:ea typeface="Meiryo UI" panose="020B0604030504040204" pitchFamily="50" charset="-128"/>
                         </a:rPr>
-                        <a:t>cross link CC to CC</a:t>
+                        <a:t>CC to CC</a:t>
                       </a:r>
                       <a:r>
                         <a:rPr kumimoji="1" lang="en-US" altLang="ja-JP" sz="1600" b="0" baseline="0" dirty="0" smtClean="0">

--- a/figure/noc_routes.pptx
+++ b/figure/noc_routes.pptx
@@ -1012,7 +1012,7 @@
           <a:p>
             <a:fld id="{E90ED720-0104-4369-84BC-D37694168613}" type="datetimeFigureOut">
               <a:rPr kumimoji="1" lang="ja-JP" altLang="en-US" smtClean="0"/>
-              <a:t>2017/6/2</a:t>
+              <a:t>2017/9/27</a:t>
             </a:fld>
             <a:endParaRPr kumimoji="1" lang="ja-JP" altLang="en-US"/>
           </a:p>
@@ -1214,7 +1214,7 @@
           <a:p>
             <a:fld id="{E90ED720-0104-4369-84BC-D37694168613}" type="datetimeFigureOut">
               <a:rPr kumimoji="1" lang="ja-JP" altLang="en-US" smtClean="0"/>
-              <a:t>2017/6/2</a:t>
+              <a:t>2017/9/27</a:t>
             </a:fld>
             <a:endParaRPr kumimoji="1" lang="ja-JP" altLang="en-US"/>
           </a:p>
@@ -1426,7 +1426,7 @@
           <a:p>
             <a:fld id="{E90ED720-0104-4369-84BC-D37694168613}" type="datetimeFigureOut">
               <a:rPr kumimoji="1" lang="ja-JP" altLang="en-US" smtClean="0"/>
-              <a:t>2017/6/2</a:t>
+              <a:t>2017/9/27</a:t>
             </a:fld>
             <a:endParaRPr kumimoji="1" lang="ja-JP" altLang="en-US"/>
           </a:p>
@@ -1628,7 +1628,7 @@
           <a:p>
             <a:fld id="{E90ED720-0104-4369-84BC-D37694168613}" type="datetimeFigureOut">
               <a:rPr kumimoji="1" lang="ja-JP" altLang="en-US" smtClean="0"/>
-              <a:t>2017/6/2</a:t>
+              <a:t>2017/9/27</a:t>
             </a:fld>
             <a:endParaRPr kumimoji="1" lang="ja-JP" altLang="en-US"/>
           </a:p>
@@ -1874,7 +1874,7 @@
           <a:p>
             <a:fld id="{E90ED720-0104-4369-84BC-D37694168613}" type="datetimeFigureOut">
               <a:rPr kumimoji="1" lang="ja-JP" altLang="en-US" smtClean="0"/>
-              <a:t>2017/6/2</a:t>
+              <a:t>2017/9/27</a:t>
             </a:fld>
             <a:endParaRPr kumimoji="1" lang="ja-JP" altLang="en-US"/>
           </a:p>
@@ -2226,7 +2226,7 @@
           <a:p>
             <a:fld id="{E90ED720-0104-4369-84BC-D37694168613}" type="datetimeFigureOut">
               <a:rPr kumimoji="1" lang="ja-JP" altLang="en-US" smtClean="0"/>
-              <a:t>2017/6/2</a:t>
+              <a:t>2017/9/27</a:t>
             </a:fld>
             <a:endParaRPr kumimoji="1" lang="ja-JP" altLang="en-US"/>
           </a:p>
@@ -2712,7 +2712,7 @@
           <a:p>
             <a:fld id="{E90ED720-0104-4369-84BC-D37694168613}" type="datetimeFigureOut">
               <a:rPr kumimoji="1" lang="ja-JP" altLang="en-US" smtClean="0"/>
-              <a:t>2017/6/2</a:t>
+              <a:t>2017/9/27</a:t>
             </a:fld>
             <a:endParaRPr kumimoji="1" lang="ja-JP" altLang="en-US"/>
           </a:p>
@@ -2830,7 +2830,7 @@
           <a:p>
             <a:fld id="{E90ED720-0104-4369-84BC-D37694168613}" type="datetimeFigureOut">
               <a:rPr kumimoji="1" lang="ja-JP" altLang="en-US" smtClean="0"/>
-              <a:t>2017/6/2</a:t>
+              <a:t>2017/9/27</a:t>
             </a:fld>
             <a:endParaRPr kumimoji="1" lang="ja-JP" altLang="en-US"/>
           </a:p>
@@ -2925,7 +2925,7 @@
           <a:p>
             <a:fld id="{E90ED720-0104-4369-84BC-D37694168613}" type="datetimeFigureOut">
               <a:rPr kumimoji="1" lang="ja-JP" altLang="en-US" smtClean="0"/>
-              <a:t>2017/6/2</a:t>
+              <a:t>2017/9/27</a:t>
             </a:fld>
             <a:endParaRPr kumimoji="1" lang="ja-JP" altLang="en-US"/>
           </a:p>
@@ -3234,7 +3234,7 @@
           <a:p>
             <a:fld id="{E90ED720-0104-4369-84BC-D37694168613}" type="datetimeFigureOut">
               <a:rPr kumimoji="1" lang="ja-JP" altLang="en-US" smtClean="0"/>
-              <a:t>2017/6/2</a:t>
+              <a:t>2017/9/27</a:t>
             </a:fld>
             <a:endParaRPr kumimoji="1" lang="ja-JP" altLang="en-US"/>
           </a:p>
@@ -3487,7 +3487,7 @@
           <a:p>
             <a:fld id="{E90ED720-0104-4369-84BC-D37694168613}" type="datetimeFigureOut">
               <a:rPr kumimoji="1" lang="ja-JP" altLang="en-US" smtClean="0"/>
-              <a:t>2017/6/2</a:t>
+              <a:t>2017/9/27</a:t>
             </a:fld>
             <a:endParaRPr kumimoji="1" lang="ja-JP" altLang="en-US"/>
           </a:p>
@@ -3732,7 +3732,7 @@
           <a:p>
             <a:fld id="{E90ED720-0104-4369-84BC-D37694168613}" type="datetimeFigureOut">
               <a:rPr kumimoji="1" lang="ja-JP" altLang="en-US" smtClean="0"/>
-              <a:t>2017/6/2</a:t>
+              <a:t>2017/9/27</a:t>
             </a:fld>
             <a:endParaRPr kumimoji="1" lang="ja-JP" altLang="en-US"/>
           </a:p>
@@ -5942,11 +5942,7 @@
               <a:prstGeom prst="ellipse">
                 <a:avLst/>
               </a:prstGeom>
-              <a:solidFill>
-                <a:schemeClr val="bg1">
-                  <a:lumMod val="85000"/>
-                </a:schemeClr>
-              </a:solidFill>
+              <a:noFill/>
               <a:ln w="12700">
                 <a:solidFill>
                   <a:schemeClr val="tx1"/>
